--- a/Lesson_9/課堂九.pptx
+++ b/Lesson_9/課堂九.pptx
@@ -227,7 +227,7 @@
           <a:p>
             <a:fld id="{980C4F52-D699-4982-A880-C510A8075703}" type="datetimeFigureOut">
               <a:rPr lang="en-US" smtClean="0"/>
-              <a:t>12/8/2019</a:t>
+              <a:t>7/12/2020</a:t>
             </a:fld>
             <a:endParaRPr lang="en-US"/>
           </a:p>
@@ -622,7 +622,7 @@
           <a:bodyPr/>
           <a:lstStyle/>
           <a:p>
-            <a:endParaRPr lang="en-US" dirty="0"/>
+            <a:endParaRPr lang="zh-HK" altLang="en-US" dirty="0"/>
           </a:p>
         </p:txBody>
       </p:sp>
@@ -633,7 +633,7 @@
             <a:spLocks noGrp="1"/>
           </p:cNvSpPr>
           <p:nvPr>
-            <p:ph type="sldNum" sz="quarter" idx="10"/>
+            <p:ph type="sldNum" sz="quarter" idx="5"/>
           </p:nvPr>
         </p:nvSpPr>
         <p:spPr/>
@@ -643,7 +643,7 @@
           <a:p>
             <a:fld id="{67006D77-E6B4-41AD-ACD4-846E8E2E7AE8}" type="slidenum">
               <a:rPr lang="en-US" smtClean="0"/>
-              <a:t>18</a:t>
+              <a:t>17</a:t>
             </a:fld>
             <a:endParaRPr lang="en-US"/>
           </a:p>
@@ -652,7 +652,7 @@
     </p:spTree>
     <p:extLst>
       <p:ext uri="{BB962C8B-B14F-4D97-AF65-F5344CB8AC3E}">
-        <p14:creationId xmlns:p14="http://schemas.microsoft.com/office/powerpoint/2010/main" val="744944895"/>
+        <p14:creationId xmlns:p14="http://schemas.microsoft.com/office/powerpoint/2010/main" val="3759192003"/>
       </p:ext>
     </p:extLst>
   </p:cSld>
@@ -706,6 +706,90 @@
           <a:bodyPr/>
           <a:lstStyle/>
           <a:p>
+            <a:endParaRPr lang="en-US" dirty="0"/>
+          </a:p>
+        </p:txBody>
+      </p:sp>
+      <p:sp>
+        <p:nvSpPr>
+          <p:cNvPr id="4" name="Slide Number Placeholder 3"/>
+          <p:cNvSpPr>
+            <a:spLocks noGrp="1"/>
+          </p:cNvSpPr>
+          <p:nvPr>
+            <p:ph type="sldNum" sz="quarter" idx="10"/>
+          </p:nvPr>
+        </p:nvSpPr>
+        <p:spPr/>
+        <p:txBody>
+          <a:bodyPr/>
+          <a:lstStyle/>
+          <a:p>
+            <a:fld id="{67006D77-E6B4-41AD-ACD4-846E8E2E7AE8}" type="slidenum">
+              <a:rPr lang="en-US" smtClean="0"/>
+              <a:t>18</a:t>
+            </a:fld>
+            <a:endParaRPr lang="en-US"/>
+          </a:p>
+        </p:txBody>
+      </p:sp>
+    </p:spTree>
+    <p:extLst>
+      <p:ext uri="{BB962C8B-B14F-4D97-AF65-F5344CB8AC3E}">
+        <p14:creationId xmlns:p14="http://schemas.microsoft.com/office/powerpoint/2010/main" val="744944895"/>
+      </p:ext>
+    </p:extLst>
+  </p:cSld>
+  <p:clrMapOvr>
+    <a:masterClrMapping/>
+  </p:clrMapOvr>
+</p:notes>
+</file>
+
+<file path=ppt/notesSlides/notesSlide12.xml><?xml version="1.0" encoding="utf-8"?>
+<p:notes xmlns:a="http://schemas.openxmlformats.org/drawingml/2006/main" xmlns:r="http://schemas.openxmlformats.org/officeDocument/2006/relationships" xmlns:p="http://schemas.openxmlformats.org/presentationml/2006/main">
+  <p:cSld>
+    <p:spTree>
+      <p:nvGrpSpPr>
+        <p:cNvPr id="1" name=""/>
+        <p:cNvGrpSpPr/>
+        <p:nvPr/>
+      </p:nvGrpSpPr>
+      <p:grpSpPr>
+        <a:xfrm>
+          <a:off x="0" y="0"/>
+          <a:ext cx="0" cy="0"/>
+          <a:chOff x="0" y="0"/>
+          <a:chExt cx="0" cy="0"/>
+        </a:xfrm>
+      </p:grpSpPr>
+      <p:sp>
+        <p:nvSpPr>
+          <p:cNvPr id="2" name="Slide Image Placeholder 1"/>
+          <p:cNvSpPr>
+            <a:spLocks noGrp="1" noRot="1" noChangeAspect="1"/>
+          </p:cNvSpPr>
+          <p:nvPr>
+            <p:ph type="sldImg"/>
+          </p:nvPr>
+        </p:nvSpPr>
+        <p:spPr/>
+      </p:sp>
+      <p:sp>
+        <p:nvSpPr>
+          <p:cNvPr id="3" name="Notes Placeholder 2"/>
+          <p:cNvSpPr>
+            <a:spLocks noGrp="1"/>
+          </p:cNvSpPr>
+          <p:nvPr>
+            <p:ph type="body" idx="1"/>
+          </p:nvPr>
+        </p:nvSpPr>
+        <p:spPr/>
+        <p:txBody>
+          <a:bodyPr/>
+          <a:lstStyle/>
+          <a:p>
             <a:endParaRPr lang="zh-HK" altLang="en-US" dirty="0"/>
           </a:p>
         </p:txBody>
@@ -746,7 +830,7 @@
 </p:notes>
 </file>
 
-<file path=ppt/notesSlides/notesSlide12.xml><?xml version="1.0" encoding="utf-8"?>
+<file path=ppt/notesSlides/notesSlide13.xml><?xml version="1.0" encoding="utf-8"?>
 <p:notes xmlns:a="http://schemas.openxmlformats.org/drawingml/2006/main" xmlns:r="http://schemas.openxmlformats.org/officeDocument/2006/relationships" xmlns:p="http://schemas.openxmlformats.org/presentationml/2006/main">
   <p:cSld>
     <p:spTree>
@@ -1147,7 +1231,7 @@
           <a:p>
             <a:fld id="{67006D77-E6B4-41AD-ACD4-846E8E2E7AE8}" type="slidenum">
               <a:rPr lang="en-US" smtClean="0"/>
-              <a:t>11</a:t>
+              <a:t>8</a:t>
             </a:fld>
             <a:endParaRPr lang="en-US"/>
           </a:p>
@@ -1156,7 +1240,7 @@
     </p:spTree>
     <p:extLst>
       <p:ext uri="{BB962C8B-B14F-4D97-AF65-F5344CB8AC3E}">
-        <p14:creationId xmlns:p14="http://schemas.microsoft.com/office/powerpoint/2010/main" val="779340899"/>
+        <p14:creationId xmlns:p14="http://schemas.microsoft.com/office/powerpoint/2010/main" val="129103732"/>
       </p:ext>
     </p:extLst>
   </p:cSld>
@@ -1231,7 +1315,7 @@
           <a:p>
             <a:fld id="{67006D77-E6B4-41AD-ACD4-846E8E2E7AE8}" type="slidenum">
               <a:rPr lang="en-US" smtClean="0"/>
-              <a:t>12</a:t>
+              <a:t>11</a:t>
             </a:fld>
             <a:endParaRPr lang="en-US"/>
           </a:p>
@@ -1240,7 +1324,7 @@
     </p:spTree>
     <p:extLst>
       <p:ext uri="{BB962C8B-B14F-4D97-AF65-F5344CB8AC3E}">
-        <p14:creationId xmlns:p14="http://schemas.microsoft.com/office/powerpoint/2010/main" val="1632576528"/>
+        <p14:creationId xmlns:p14="http://schemas.microsoft.com/office/powerpoint/2010/main" val="779340899"/>
       </p:ext>
     </p:extLst>
   </p:cSld>
@@ -1294,10 +1378,6 @@
           <a:bodyPr/>
           <a:lstStyle/>
           <a:p>
-            <a:r>
-              <a:rPr lang="en-US" altLang="zh-HK" dirty="0"/>
-              <a:t>https://towardsdatascience.com/gradient-descent-algorithm-and-its-variants-10f652806a3</a:t>
-            </a:r>
             <a:endParaRPr lang="zh-HK" altLang="en-US" dirty="0"/>
           </a:p>
         </p:txBody>
@@ -1319,7 +1399,7 @@
           <a:p>
             <a:fld id="{67006D77-E6B4-41AD-ACD4-846E8E2E7AE8}" type="slidenum">
               <a:rPr lang="en-US" smtClean="0"/>
-              <a:t>13</a:t>
+              <a:t>12</a:t>
             </a:fld>
             <a:endParaRPr lang="en-US"/>
           </a:p>
@@ -1328,7 +1408,7 @@
     </p:spTree>
     <p:extLst>
       <p:ext uri="{BB962C8B-B14F-4D97-AF65-F5344CB8AC3E}">
-        <p14:creationId xmlns:p14="http://schemas.microsoft.com/office/powerpoint/2010/main" val="348181326"/>
+        <p14:creationId xmlns:p14="http://schemas.microsoft.com/office/powerpoint/2010/main" val="1632576528"/>
       </p:ext>
     </p:extLst>
   </p:cSld>
@@ -1383,34 +1463,9 @@
           <a:lstStyle/>
           <a:p>
             <a:r>
-              <a:rPr lang="en-US" altLang="zh-HK" b="1" dirty="0"/>
-              <a:t>Some Observations:</a:t>
-            </a:r>
-          </a:p>
-          <a:p>
-            <a:r>
               <a:rPr lang="en-US" altLang="zh-HK" dirty="0"/>
-              <a:t>Dropout forces a neural network to learn more robust features that are useful in conjunction with many different random subsets of the other neurons.</a:t>
-            </a:r>
-          </a:p>
-          <a:p>
-            <a:r>
-              <a:rPr lang="en-US" altLang="zh-HK" dirty="0"/>
-              <a:t>Dropout roughly doubles the number of iterations required to converge. However, training time for each epoch is less.</a:t>
-            </a:r>
-          </a:p>
-          <a:p>
-            <a:r>
-              <a:rPr lang="en-US" altLang="zh-HK" dirty="0"/>
-              <a:t>With H hidden units, each of which can be dropped, we have 2^H possible models. In testing phase, the entire network is considered and each activation is reduced by a factor </a:t>
-            </a:r>
-            <a:r>
-              <a:rPr lang="en-US" altLang="zh-HK" i="1" dirty="0"/>
-              <a:t>p.</a:t>
-            </a:r>
-            <a:endParaRPr lang="en-US" altLang="zh-HK" dirty="0"/>
-          </a:p>
-          <a:p>
+              <a:t>https://towardsdatascience.com/gradient-descent-algorithm-and-its-variants-10f652806a3</a:t>
+            </a:r>
             <a:endParaRPr lang="zh-HK" altLang="en-US" dirty="0"/>
           </a:p>
         </p:txBody>
@@ -1432,7 +1487,7 @@
           <a:p>
             <a:fld id="{67006D77-E6B4-41AD-ACD4-846E8E2E7AE8}" type="slidenum">
               <a:rPr lang="en-US" smtClean="0"/>
-              <a:t>15</a:t>
+              <a:t>13</a:t>
             </a:fld>
             <a:endParaRPr lang="en-US"/>
           </a:p>
@@ -1441,7 +1496,7 @@
     </p:spTree>
     <p:extLst>
       <p:ext uri="{BB962C8B-B14F-4D97-AF65-F5344CB8AC3E}">
-        <p14:creationId xmlns:p14="http://schemas.microsoft.com/office/powerpoint/2010/main" val="3438829550"/>
+        <p14:creationId xmlns:p14="http://schemas.microsoft.com/office/powerpoint/2010/main" val="348181326"/>
       </p:ext>
     </p:extLst>
   </p:cSld>
@@ -1495,6 +1550,35 @@
           <a:bodyPr/>
           <a:lstStyle/>
           <a:p>
+            <a:r>
+              <a:rPr lang="en-US" altLang="zh-HK" b="1" dirty="0"/>
+              <a:t>Some Observations:</a:t>
+            </a:r>
+          </a:p>
+          <a:p>
+            <a:r>
+              <a:rPr lang="en-US" altLang="zh-HK" dirty="0"/>
+              <a:t>Dropout forces a neural network to learn more robust features that are useful in conjunction with many different random subsets of the other neurons.</a:t>
+            </a:r>
+          </a:p>
+          <a:p>
+            <a:r>
+              <a:rPr lang="en-US" altLang="zh-HK" dirty="0"/>
+              <a:t>Dropout roughly doubles the number of iterations required to converge. However, training time for each epoch is less.</a:t>
+            </a:r>
+          </a:p>
+          <a:p>
+            <a:r>
+              <a:rPr lang="en-US" altLang="zh-HK" dirty="0"/>
+              <a:t>With H hidden units, each of which can be dropped, we have 2^H possible models. In testing phase, the entire network is considered and each activation is reduced by a factor </a:t>
+            </a:r>
+            <a:r>
+              <a:rPr lang="en-US" altLang="zh-HK" i="1" dirty="0"/>
+              <a:t>p.</a:t>
+            </a:r>
+            <a:endParaRPr lang="en-US" altLang="zh-HK" dirty="0"/>
+          </a:p>
+          <a:p>
             <a:endParaRPr lang="zh-HK" altLang="en-US" dirty="0"/>
           </a:p>
         </p:txBody>
@@ -1516,7 +1600,7 @@
           <a:p>
             <a:fld id="{67006D77-E6B4-41AD-ACD4-846E8E2E7AE8}" type="slidenum">
               <a:rPr lang="en-US" smtClean="0"/>
-              <a:t>17</a:t>
+              <a:t>15</a:t>
             </a:fld>
             <a:endParaRPr lang="en-US"/>
           </a:p>
@@ -1525,7 +1609,7 @@
     </p:spTree>
     <p:extLst>
       <p:ext uri="{BB962C8B-B14F-4D97-AF65-F5344CB8AC3E}">
-        <p14:creationId xmlns:p14="http://schemas.microsoft.com/office/powerpoint/2010/main" val="3759192003"/>
+        <p14:creationId xmlns:p14="http://schemas.microsoft.com/office/powerpoint/2010/main" val="3438829550"/>
       </p:ext>
     </p:extLst>
   </p:cSld>
@@ -1687,7 +1771,7 @@
           <a:p>
             <a:fld id="{6AD6EE87-EBD5-4F12-A48A-63ACA297AC8F}" type="datetimeFigureOut">
               <a:rPr lang="en-US" smtClean="0"/>
-              <a:t>12/8/2019</a:t>
+              <a:t>7/12/2020</a:t>
             </a:fld>
             <a:endParaRPr lang="en-US" dirty="0"/>
           </a:p>
@@ -1940,7 +2024,7 @@
           <a:p>
             <a:fld id="{4CD73815-2707-4475-8F1A-B873CB631BB4}" type="datetimeFigureOut">
               <a:rPr lang="en-US" smtClean="0"/>
-              <a:t>12/8/2019</a:t>
+              <a:t>7/12/2020</a:t>
             </a:fld>
             <a:endParaRPr lang="en-US" dirty="0"/>
           </a:p>
@@ -2120,7 +2204,7 @@
           <a:p>
             <a:fld id="{2A4AFB99-0EAB-4182-AFF8-E214C82A68F6}" type="datetimeFigureOut">
               <a:rPr lang="en-US" smtClean="0"/>
-              <a:t>12/8/2019</a:t>
+              <a:t>7/12/2020</a:t>
             </a:fld>
             <a:endParaRPr lang="en-US" dirty="0"/>
           </a:p>
@@ -2325,7 +2409,7 @@
           <a:p>
             <a:fld id="{A5D3794B-289A-4A80-97D7-111025398D45}" type="datetimeFigureOut">
               <a:rPr lang="en-US" smtClean="0"/>
-              <a:t>12/8/2019</a:t>
+              <a:t>7/12/2020</a:t>
             </a:fld>
             <a:endParaRPr lang="en-US" dirty="0"/>
           </a:p>
@@ -2582,7 +2666,7 @@
           <a:p>
             <a:fld id="{5A61015F-7CC6-4D0A-9D87-873EA4C304CC}" type="datetimeFigureOut">
               <a:rPr lang="en-US" smtClean="0"/>
-              <a:t>12/8/2019</a:t>
+              <a:t>7/12/2020</a:t>
             </a:fld>
             <a:endParaRPr lang="en-US" dirty="0"/>
           </a:p>
@@ -2904,7 +2988,7 @@
           <a:p>
             <a:fld id="{93C6A301-0538-44EC-B09D-202E1042A48B}" type="datetimeFigureOut">
               <a:rPr lang="en-US" smtClean="0"/>
-              <a:t>12/8/2019</a:t>
+              <a:t>7/12/2020</a:t>
             </a:fld>
             <a:endParaRPr lang="en-US" dirty="0"/>
           </a:p>
@@ -3302,7 +3386,7 @@
           <a:p>
             <a:fld id="{D789574A-8875-45EF-8EA2-3CAA0F7ABC4C}" type="datetimeFigureOut">
               <a:rPr lang="en-US" smtClean="0"/>
-              <a:t>12/8/2019</a:t>
+              <a:t>7/12/2020</a:t>
             </a:fld>
             <a:endParaRPr lang="en-US" dirty="0"/>
           </a:p>
@@ -3420,7 +3504,7 @@
           <a:p>
             <a:fld id="{67EF4D4C-5367-4C26-9E2B-D8088D7FCA81}" type="datetimeFigureOut">
               <a:rPr lang="en-US" smtClean="0"/>
-              <a:t>12/8/2019</a:t>
+              <a:t>7/12/2020</a:t>
             </a:fld>
             <a:endParaRPr lang="en-US" dirty="0"/>
           </a:p>
@@ -3515,7 +3599,7 @@
           <a:p>
             <a:fld id="{56E91E96-98B0-4413-9547-46F3504108EF}" type="datetimeFigureOut">
               <a:rPr lang="en-US" smtClean="0"/>
-              <a:t>12/8/2019</a:t>
+              <a:t>7/12/2020</a:t>
             </a:fld>
             <a:endParaRPr lang="en-US" dirty="0"/>
           </a:p>
@@ -3805,7 +3889,7 @@
           <a:p>
             <a:fld id="{05C68B11-C5A8-448C-8CE9-B1A273C79CFC}" type="datetimeFigureOut">
               <a:rPr lang="en-US" smtClean="0"/>
-              <a:t>12/8/2019</a:t>
+              <a:t>7/12/2020</a:t>
             </a:fld>
             <a:endParaRPr lang="en-US" dirty="0"/>
           </a:p>
@@ -4085,7 +4169,7 @@
           <a:p>
             <a:fld id="{C7616CA0-919D-4A49-9C8A-62FDFB3A5183}" type="datetimeFigureOut">
               <a:rPr lang="en-US" smtClean="0"/>
-              <a:t>12/8/2019</a:t>
+              <a:t>7/12/2020</a:t>
             </a:fld>
             <a:endParaRPr lang="en-US" dirty="0"/>
           </a:p>
@@ -4336,7 +4420,7 @@
             <a:fld id="{90298CD5-6C1E-4009-B41F-6DF62E31D3BE}" type="datetimeFigureOut">
               <a:rPr lang="en-US" smtClean="0"/>
               <a:pPr/>
-              <a:t>12/8/2019</a:t>
+              <a:t>7/12/2020</a:t>
             </a:fld>
             <a:endParaRPr lang="en-US" dirty="0"/>
           </a:p>
@@ -5126,12 +5210,8 @@
           <a:lstStyle/>
           <a:p>
             <a:r>
-              <a:rPr lang="en-US" altLang="zh-HK" dirty="0" err="1"/>
-              <a:t>Trainnnig</a:t>
-            </a:r>
-            <a:r>
               <a:rPr lang="en-US" altLang="zh-HK" dirty="0"/>
-              <a:t> </a:t>
+              <a:t>Training </a:t>
             </a:r>
             <a:r>
               <a:rPr lang="en-US" altLang="zh-HK" dirty="0" err="1"/>
@@ -7929,7 +8009,7 @@
           </p:nvPr>
         </p:nvPicPr>
         <p:blipFill>
-          <a:blip r:embed="rId2"/>
+          <a:blip r:embed="rId3"/>
           <a:stretch>
             <a:fillRect/>
           </a:stretch>
@@ -7956,7 +8036,7 @@
           <p:nvPr/>
         </p:nvPicPr>
         <p:blipFill>
-          <a:blip r:embed="rId3"/>
+          <a:blip r:embed="rId4"/>
           <a:stretch>
             <a:fillRect/>
           </a:stretch>

--- a/Lesson_9/課堂九.pptx
+++ b/Lesson_9/課堂九.pptx
@@ -7248,12 +7248,58 @@
               <a:rPr lang="zh-TW" altLang="en-US" b="1" dirty="0"/>
               <a:t>資料運算與分析實戰</a:t>
             </a:r>
+            <a:endParaRPr lang="en-US" altLang="zh-TW" b="1" dirty="0"/>
+          </a:p>
+          <a:p>
+            <a:endParaRPr lang="en-US" altLang="zh-TW" b="1" dirty="0"/>
+          </a:p>
+          <a:p>
+            <a:r>
+              <a:rPr lang="en-US" altLang="zh-TW" b="1" dirty="0">
+                <a:hlinkClick r:id="rId3"/>
+              </a:rPr>
+              <a:t>https://www.books.com.tw/products/0010778000?sloc=main</a:t>
+            </a:r>
+            <a:endParaRPr lang="en-US" altLang="zh-TW" b="1" dirty="0"/>
+          </a:p>
+          <a:p>
+            <a:endParaRPr lang="zh-TW" altLang="en-US" b="1" dirty="0"/>
           </a:p>
           <a:p>
             <a:endParaRPr lang="zh-HK" altLang="en-US" dirty="0"/>
           </a:p>
         </p:txBody>
       </p:sp>
+      <p:pic>
+        <p:nvPicPr>
+          <p:cNvPr id="5" name="Picture 4" descr="A picture containing food, drawing&#10;&#10;Description automatically generated">
+            <a:extLst>
+              <a:ext uri="{FF2B5EF4-FFF2-40B4-BE49-F238E27FC236}">
+                <a16:creationId xmlns:a16="http://schemas.microsoft.com/office/drawing/2014/main" id="{22F7FA51-210B-47DD-89D6-6D9C1813285A}"/>
+              </a:ext>
+            </a:extLst>
+          </p:cNvPr>
+          <p:cNvPicPr>
+            <a:picLocks noChangeAspect="1"/>
+          </p:cNvPicPr>
+          <p:nvPr/>
+        </p:nvPicPr>
+        <p:blipFill>
+          <a:blip r:embed="rId4"/>
+          <a:stretch>
+            <a:fillRect/>
+          </a:stretch>
+        </p:blipFill>
+        <p:spPr>
+          <a:xfrm>
+            <a:off x="10159999" y="5333528"/>
+            <a:ext cx="1495425" cy="1268659"/>
+          </a:xfrm>
+          <a:prstGeom prst="rect">
+            <a:avLst/>
+          </a:prstGeom>
+        </p:spPr>
+      </p:pic>
     </p:spTree>
     <p:extLst>
       <p:ext uri="{BB962C8B-B14F-4D97-AF65-F5344CB8AC3E}">
